--- a/MauiBlazorOhio.pptx
+++ b/MauiBlazorOhio.pptx
@@ -5,16 +5,17 @@
     <p:sldMasterId id="2147483648" r:id="rId1"/>
   </p:sldMasterIdLst>
   <p:sldIdLst>
-    <p:sldId id="257" r:id="rId2"/>
-    <p:sldId id="258" r:id="rId3"/>
-    <p:sldId id="259" r:id="rId4"/>
-    <p:sldId id="260" r:id="rId5"/>
-    <p:sldId id="261" r:id="rId6"/>
-    <p:sldId id="262" r:id="rId7"/>
-    <p:sldId id="263" r:id="rId8"/>
-    <p:sldId id="264" r:id="rId9"/>
-    <p:sldId id="265" r:id="rId10"/>
-    <p:sldId id="266" r:id="rId11"/>
+    <p:sldId id="267" r:id="rId2"/>
+    <p:sldId id="257" r:id="rId3"/>
+    <p:sldId id="258" r:id="rId4"/>
+    <p:sldId id="259" r:id="rId5"/>
+    <p:sldId id="260" r:id="rId6"/>
+    <p:sldId id="261" r:id="rId7"/>
+    <p:sldId id="262" r:id="rId8"/>
+    <p:sldId id="263" r:id="rId9"/>
+    <p:sldId id="264" r:id="rId10"/>
+    <p:sldId id="265" r:id="rId11"/>
+    <p:sldId id="266" r:id="rId12"/>
   </p:sldIdLst>
   <p:sldSz cx="12192000" cy="6858000"/>
   <p:notesSz cx="6858000" cy="9144000"/>
@@ -113,6 +114,11 @@
       </a:defRPr>
     </a:lvl9pPr>
   </p:defaultTextStyle>
+  <p:extLst>
+    <p:ext uri="{EFAFB233-063F-42B5-8137-9DF3F51BA10A}">
+      <p15:sldGuideLst xmlns:p15="http://schemas.microsoft.com/office/powerpoint/2012/main"/>
+    </p:ext>
+  </p:extLst>
 </p:presentation>
 </file>
 
@@ -3335,7 +3341,7 @@
           <p:cNvPr id="2" name="Title 1">
             <a:extLst>
               <a:ext uri="{FF2B5EF4-FFF2-40B4-BE49-F238E27FC236}">
-                <a16:creationId xmlns:a16="http://schemas.microsoft.com/office/drawing/2014/main" id="{FE7C1C66-6D2B-2C95-5B85-4955D2207112}"/>
+                <a16:creationId xmlns:a16="http://schemas.microsoft.com/office/drawing/2014/main" id="{B9A7044F-6B67-C8D1-DCEF-446EACD0BF60}"/>
               </a:ext>
             </a:extLst>
           </p:cNvPr>
@@ -3353,7 +3359,7 @@
           <a:p>
             <a:r>
               <a:rPr lang="en-US" dirty="0"/>
-              <a:t>MAUI Basics</a:t>
+              <a:t>Resources</a:t>
             </a:r>
           </a:p>
         </p:txBody>
@@ -3363,7 +3369,7 @@
           <p:cNvPr id="3" name="Content Placeholder 2">
             <a:extLst>
               <a:ext uri="{FF2B5EF4-FFF2-40B4-BE49-F238E27FC236}">
-                <a16:creationId xmlns:a16="http://schemas.microsoft.com/office/drawing/2014/main" id="{1EE7DF33-8FD2-F771-D0F8-280BABA59056}"/>
+                <a16:creationId xmlns:a16="http://schemas.microsoft.com/office/drawing/2014/main" id="{D39885BF-0853-D428-E555-22A0251E8AAC}"/>
               </a:ext>
             </a:extLst>
           </p:cNvPr>
@@ -3381,45 +3387,40 @@
           <a:p>
             <a:r>
               <a:rPr lang="en-US" dirty="0"/>
-              <a:t>Full rewrite of Xamarin Forms</a:t>
-            </a:r>
-          </a:p>
-          <a:p>
-            <a:r>
-              <a:rPr lang="en-US" dirty="0"/>
-              <a:t>Runs on .NET Core</a:t>
-            </a:r>
-          </a:p>
-          <a:p>
-            <a:r>
-              <a:rPr lang="en-US" dirty="0"/>
-              <a:t>Develop apps for iOS, Android, Windows, Mac, Tizen</a:t>
-            </a:r>
-          </a:p>
-          <a:p>
-            <a:r>
-              <a:rPr lang="en-US" dirty="0"/>
-              <a:t>Requires Win 11 or Win 10 version 1809 or later</a:t>
-            </a:r>
-          </a:p>
-          <a:p>
-            <a:r>
-              <a:rPr lang="en-US" dirty="0"/>
-              <a:t>iOS builds require a Mac even if developing on PC</a:t>
-            </a:r>
-          </a:p>
-          <a:p>
-            <a:r>
-              <a:rPr lang="en-US" dirty="0"/>
-              <a:t>Blazor Hybrid support</a:t>
-            </a:r>
+              <a:t>Presentation and samples at </a:t>
+            </a:r>
+            <a:r>
+              <a:rPr lang="en-US" dirty="0" err="1">
+                <a:hlinkClick r:id="rId2"/>
+              </a:rPr>
+              <a:t>billreiss</a:t>
+            </a:r>
+            <a:r>
+              <a:rPr lang="en-US" dirty="0">
+                <a:hlinkClick r:id="rId2"/>
+              </a:rPr>
+              <a:t>/</a:t>
+            </a:r>
+            <a:r>
+              <a:rPr lang="en-US" dirty="0" err="1">
+                <a:hlinkClick r:id="rId2"/>
+              </a:rPr>
+              <a:t>MauiBlazor</a:t>
+            </a:r>
+            <a:r>
+              <a:rPr lang="en-US">
+                <a:hlinkClick r:id="rId2"/>
+              </a:rPr>
+              <a:t> (github.com)</a:t>
+            </a:r>
+            <a:endParaRPr lang="en-US"/>
           </a:p>
         </p:txBody>
       </p:sp>
     </p:spTree>
     <p:extLst>
       <p:ext uri="{BB962C8B-B14F-4D97-AF65-F5344CB8AC3E}">
-        <p14:creationId xmlns:p14="http://schemas.microsoft.com/office/powerpoint/2010/main" val="3125244348"/>
+        <p14:creationId xmlns:p14="http://schemas.microsoft.com/office/powerpoint/2010/main" val="2550260632"/>
       </p:ext>
     </p:extLst>
   </p:cSld>
@@ -3430,6 +3431,261 @@
 </file>
 
 <file path=ppt/slides/slide10.xml><?xml version="1.0" encoding="utf-8"?>
+<p:sld xmlns:a="http://schemas.openxmlformats.org/drawingml/2006/main" xmlns:r="http://schemas.openxmlformats.org/officeDocument/2006/relationships" xmlns:p="http://schemas.openxmlformats.org/presentationml/2006/main">
+  <p:cSld>
+    <p:spTree>
+      <p:nvGrpSpPr>
+        <p:cNvPr id="1" name=""/>
+        <p:cNvGrpSpPr/>
+        <p:nvPr/>
+      </p:nvGrpSpPr>
+      <p:grpSpPr>
+        <a:xfrm>
+          <a:off x="0" y="0"/>
+          <a:ext cx="0" cy="0"/>
+          <a:chOff x="0" y="0"/>
+          <a:chExt cx="0" cy="0"/>
+        </a:xfrm>
+      </p:grpSpPr>
+      <p:sp>
+        <p:nvSpPr>
+          <p:cNvPr id="2" name="Title 1">
+            <a:extLst>
+              <a:ext uri="{FF2B5EF4-FFF2-40B4-BE49-F238E27FC236}">
+                <a16:creationId xmlns:a16="http://schemas.microsoft.com/office/drawing/2014/main" id="{A6B4C945-8F72-51EB-5029-8DC47776D86B}"/>
+              </a:ext>
+            </a:extLst>
+          </p:cNvPr>
+          <p:cNvSpPr>
+            <a:spLocks noGrp="1"/>
+          </p:cNvSpPr>
+          <p:nvPr>
+            <p:ph type="title"/>
+          </p:nvPr>
+        </p:nvSpPr>
+        <p:spPr/>
+        <p:txBody>
+          <a:bodyPr/>
+          <a:lstStyle/>
+          <a:p>
+            <a:r>
+              <a:rPr lang="en-US" dirty="0"/>
+              <a:t>Packaging</a:t>
+            </a:r>
+          </a:p>
+        </p:txBody>
+      </p:sp>
+      <p:sp>
+        <p:nvSpPr>
+          <p:cNvPr id="3" name="Content Placeholder 2">
+            <a:extLst>
+              <a:ext uri="{FF2B5EF4-FFF2-40B4-BE49-F238E27FC236}">
+                <a16:creationId xmlns:a16="http://schemas.microsoft.com/office/drawing/2014/main" id="{672C8611-1331-A778-680C-1199DD3A7177}"/>
+              </a:ext>
+            </a:extLst>
+          </p:cNvPr>
+          <p:cNvSpPr>
+            <a:spLocks noGrp="1"/>
+          </p:cNvSpPr>
+          <p:nvPr>
+            <p:ph idx="1"/>
+          </p:nvPr>
+        </p:nvSpPr>
+        <p:spPr/>
+        <p:txBody>
+          <a:bodyPr>
+            <a:normAutofit lnSpcReduction="10000"/>
+          </a:bodyPr>
+          <a:lstStyle/>
+          <a:p>
+            <a:r>
+              <a:rPr lang="en-US" dirty="0"/>
+              <a:t>.</a:t>
+            </a:r>
+            <a:r>
+              <a:rPr lang="en-US" dirty="0" err="1"/>
+              <a:t>ipa</a:t>
+            </a:r>
+            <a:r>
+              <a:rPr lang="en-US" dirty="0"/>
+              <a:t> on iOS</a:t>
+            </a:r>
+          </a:p>
+          <a:p>
+            <a:r>
+              <a:rPr lang="en-US" dirty="0"/>
+              <a:t>.</a:t>
+            </a:r>
+            <a:r>
+              <a:rPr lang="en-US" dirty="0" err="1"/>
+              <a:t>apk</a:t>
+            </a:r>
+            <a:r>
+              <a:rPr lang="en-US" dirty="0"/>
+              <a:t> on Android</a:t>
+            </a:r>
+          </a:p>
+          <a:p>
+            <a:r>
+              <a:rPr lang="en-US" dirty="0"/>
+              <a:t>MSIX on Windows</a:t>
+            </a:r>
+          </a:p>
+          <a:p>
+            <a:pPr lvl="1"/>
+            <a:r>
+              <a:rPr lang="en-US" dirty="0"/>
+              <a:t>MSIX is a unification of MSI, APPX, </a:t>
+            </a:r>
+            <a:r>
+              <a:rPr lang="en-US" dirty="0" err="1"/>
+              <a:t>ClickOnce</a:t>
+            </a:r>
+            <a:r>
+              <a:rPr lang="en-US"/>
+              <a:t>, App-V</a:t>
+            </a:r>
+            <a:endParaRPr lang="en-US" dirty="0"/>
+          </a:p>
+          <a:p>
+            <a:pPr lvl="1"/>
+            <a:r>
+              <a:rPr lang="en-US" dirty="0"/>
+              <a:t>MSIX file can be deployed like any other MSIX file, including SCCM, Intune, web download</a:t>
+            </a:r>
+          </a:p>
+          <a:p>
+            <a:pPr lvl="1"/>
+            <a:r>
+              <a:rPr lang="en-US" dirty="0"/>
+              <a:t>Web download outside the enterprise requires public certificate signing</a:t>
+            </a:r>
+          </a:p>
+          <a:p>
+            <a:pPr lvl="1"/>
+            <a:endParaRPr lang="en-US" dirty="0"/>
+          </a:p>
+          <a:p>
+            <a:pPr marL="457200" lvl="1" indent="0">
+              <a:buNone/>
+            </a:pPr>
+            <a:r>
+              <a:rPr lang="en-US" b="0" i="0" dirty="0">
+                <a:solidFill>
+                  <a:srgbClr val="0101FD"/>
+                </a:solidFill>
+                <a:effectLst/>
+                <a:latin typeface="SFMono-Regular"/>
+              </a:rPr>
+              <a:t>&lt;a </a:t>
+            </a:r>
+            <a:r>
+              <a:rPr lang="en-US" b="0" i="0" dirty="0">
+                <a:solidFill>
+                  <a:srgbClr val="0451A5"/>
+                </a:solidFill>
+                <a:effectLst/>
+                <a:latin typeface="SFMono-Regular"/>
+              </a:rPr>
+              <a:t>href</a:t>
+            </a:r>
+            <a:r>
+              <a:rPr lang="en-US" b="0" i="0" dirty="0">
+                <a:solidFill>
+                  <a:srgbClr val="0101FD"/>
+                </a:solidFill>
+                <a:effectLst/>
+                <a:latin typeface="SFMono-Regular"/>
+              </a:rPr>
+              <a:t>=</a:t>
+            </a:r>
+            <a:r>
+              <a:rPr lang="en-US" b="0" i="0" dirty="0">
+                <a:solidFill>
+                  <a:srgbClr val="A31515"/>
+                </a:solidFill>
+                <a:effectLst/>
+                <a:latin typeface="SFMono-Regular"/>
+              </a:rPr>
+              <a:t>"</a:t>
+            </a:r>
+            <a:r>
+              <a:rPr lang="en-US" b="0" i="0" dirty="0" err="1">
+                <a:solidFill>
+                  <a:srgbClr val="A31515"/>
+                </a:solidFill>
+                <a:effectLst/>
+                <a:latin typeface="SFMono-Regular"/>
+              </a:rPr>
+              <a:t>ms-appinstaller</a:t>
+            </a:r>
+            <a:r>
+              <a:rPr lang="en-US" b="0" i="0" dirty="0">
+                <a:solidFill>
+                  <a:srgbClr val="A31515"/>
+                </a:solidFill>
+                <a:effectLst/>
+                <a:latin typeface="SFMono-Regular"/>
+              </a:rPr>
+              <a:t>:?source=http://mywebservice.azureedge.net/HubApp.msix"</a:t>
+            </a:r>
+            <a:r>
+              <a:rPr lang="en-US" b="0" i="0" dirty="0">
+                <a:solidFill>
+                  <a:srgbClr val="0101FD"/>
+                </a:solidFill>
+                <a:effectLst/>
+                <a:latin typeface="SFMono-Regular"/>
+              </a:rPr>
+              <a:t>&gt;</a:t>
+            </a:r>
+            <a:r>
+              <a:rPr lang="en-US" b="0" i="0" dirty="0">
+                <a:solidFill>
+                  <a:srgbClr val="161616"/>
+                </a:solidFill>
+                <a:effectLst/>
+                <a:latin typeface="SFMono-Regular"/>
+              </a:rPr>
+              <a:t> Install app package </a:t>
+            </a:r>
+            <a:r>
+              <a:rPr lang="en-US" b="0" i="0" dirty="0">
+                <a:solidFill>
+                  <a:srgbClr val="0101FD"/>
+                </a:solidFill>
+                <a:effectLst/>
+                <a:latin typeface="SFMono-Regular"/>
+              </a:rPr>
+              <a:t>&lt;/a&gt;</a:t>
+            </a:r>
+            <a:r>
+              <a:rPr lang="en-US" b="0" i="0" dirty="0">
+                <a:solidFill>
+                  <a:srgbClr val="161616"/>
+                </a:solidFill>
+                <a:effectLst/>
+                <a:latin typeface="SFMono-Regular"/>
+              </a:rPr>
+              <a:t> </a:t>
+            </a:r>
+          </a:p>
+        </p:txBody>
+      </p:sp>
+    </p:spTree>
+    <p:extLst>
+      <p:ext uri="{BB962C8B-B14F-4D97-AF65-F5344CB8AC3E}">
+        <p14:creationId xmlns:p14="http://schemas.microsoft.com/office/powerpoint/2010/main" val="3083416481"/>
+      </p:ext>
+    </p:extLst>
+  </p:cSld>
+  <p:clrMapOvr>
+    <a:masterClrMapping/>
+  </p:clrMapOvr>
+</p:sld>
+</file>
+
+<file path=ppt/slides/slide11.xml><?xml version="1.0" encoding="utf-8"?>
 <p:sld xmlns:a="http://schemas.openxmlformats.org/drawingml/2006/main" xmlns:r="http://schemas.openxmlformats.org/officeDocument/2006/relationships" xmlns:p="http://schemas.openxmlformats.org/presentationml/2006/main">
   <p:cSld>
     <p:spTree>
@@ -3537,7 +3793,7 @@
           <p:cNvPr id="2" name="Title 1">
             <a:extLst>
               <a:ext uri="{FF2B5EF4-FFF2-40B4-BE49-F238E27FC236}">
-                <a16:creationId xmlns:a16="http://schemas.microsoft.com/office/drawing/2014/main" id="{1D859CF8-9547-B9C9-2152-EEBB2576CCF9}"/>
+                <a16:creationId xmlns:a16="http://schemas.microsoft.com/office/drawing/2014/main" id="{FE7C1C66-6D2B-2C95-5B85-4955D2207112}"/>
               </a:ext>
             </a:extLst>
           </p:cNvPr>
@@ -3555,7 +3811,7 @@
           <a:p>
             <a:r>
               <a:rPr lang="en-US" dirty="0"/>
-              <a:t>Demo</a:t>
+              <a:t>MAUI Basics</a:t>
             </a:r>
           </a:p>
         </p:txBody>
@@ -3565,7 +3821,7 @@
           <p:cNvPr id="3" name="Content Placeholder 2">
             <a:extLst>
               <a:ext uri="{FF2B5EF4-FFF2-40B4-BE49-F238E27FC236}">
-                <a16:creationId xmlns:a16="http://schemas.microsoft.com/office/drawing/2014/main" id="{CD547E77-411F-6533-1DA1-6B201610C5C8}"/>
+                <a16:creationId xmlns:a16="http://schemas.microsoft.com/office/drawing/2014/main" id="{1EE7DF33-8FD2-F771-D0F8-280BABA59056}"/>
               </a:ext>
             </a:extLst>
           </p:cNvPr>
@@ -3583,7 +3839,37 @@
           <a:p>
             <a:r>
               <a:rPr lang="en-US" dirty="0"/>
-              <a:t>Hello MAUI</a:t>
+              <a:t>Full rewrite of Xamarin Forms</a:t>
+            </a:r>
+          </a:p>
+          <a:p>
+            <a:r>
+              <a:rPr lang="en-US" dirty="0"/>
+              <a:t>Runs on .NET Core</a:t>
+            </a:r>
+          </a:p>
+          <a:p>
+            <a:r>
+              <a:rPr lang="en-US" dirty="0"/>
+              <a:t>Develop apps for iOS, Android, Windows, Mac, Tizen</a:t>
+            </a:r>
+          </a:p>
+          <a:p>
+            <a:r>
+              <a:rPr lang="en-US" dirty="0"/>
+              <a:t>Requires Win 11 or Win 10 version 1809 or later</a:t>
+            </a:r>
+          </a:p>
+          <a:p>
+            <a:r>
+              <a:rPr lang="en-US" dirty="0"/>
+              <a:t>iOS builds require a Mac even if developing on PC</a:t>
+            </a:r>
+          </a:p>
+          <a:p>
+            <a:r>
+              <a:rPr lang="en-US" dirty="0"/>
+              <a:t>Blazor Hybrid support</a:t>
             </a:r>
           </a:p>
         </p:txBody>
@@ -3591,7 +3877,7 @@
     </p:spTree>
     <p:extLst>
       <p:ext uri="{BB962C8B-B14F-4D97-AF65-F5344CB8AC3E}">
-        <p14:creationId xmlns:p14="http://schemas.microsoft.com/office/powerpoint/2010/main" val="2441267014"/>
+        <p14:creationId xmlns:p14="http://schemas.microsoft.com/office/powerpoint/2010/main" val="3125244348"/>
       </p:ext>
     </p:extLst>
   </p:cSld>
@@ -3623,7 +3909,7 @@
           <p:cNvPr id="2" name="Title 1">
             <a:extLst>
               <a:ext uri="{FF2B5EF4-FFF2-40B4-BE49-F238E27FC236}">
-                <a16:creationId xmlns:a16="http://schemas.microsoft.com/office/drawing/2014/main" id="{ABD88E32-B8D4-3491-8037-95583740C06C}"/>
+                <a16:creationId xmlns:a16="http://schemas.microsoft.com/office/drawing/2014/main" id="{1D859CF8-9547-B9C9-2152-EEBB2576CCF9}"/>
               </a:ext>
             </a:extLst>
           </p:cNvPr>
@@ -3641,7 +3927,7 @@
           <a:p>
             <a:r>
               <a:rPr lang="en-US" dirty="0"/>
-              <a:t>Blazor</a:t>
+              <a:t>Demo</a:t>
             </a:r>
           </a:p>
         </p:txBody>
@@ -3651,7 +3937,7 @@
           <p:cNvPr id="3" name="Content Placeholder 2">
             <a:extLst>
               <a:ext uri="{FF2B5EF4-FFF2-40B4-BE49-F238E27FC236}">
-                <a16:creationId xmlns:a16="http://schemas.microsoft.com/office/drawing/2014/main" id="{854D8D3A-A0D2-EC64-F4C1-98AA667266DA}"/>
+                <a16:creationId xmlns:a16="http://schemas.microsoft.com/office/drawing/2014/main" id="{CD547E77-411F-6533-1DA1-6B201610C5C8}"/>
               </a:ext>
             </a:extLst>
           </p:cNvPr>
@@ -3669,28 +3955,7 @@
           <a:p>
             <a:r>
               <a:rPr lang="en-US" dirty="0"/>
-              <a:t>Develop web client with .NET</a:t>
-            </a:r>
-          </a:p>
-          <a:p>
-            <a:pPr lvl="1"/>
-            <a:r>
-              <a:rPr lang="en-US" dirty="0"/>
-              <a:t>Server</a:t>
-            </a:r>
-          </a:p>
-          <a:p>
-            <a:pPr lvl="1"/>
-            <a:r>
-              <a:rPr lang="en-US" dirty="0"/>
-              <a:t>WebAssembly</a:t>
-            </a:r>
-          </a:p>
-          <a:p>
-            <a:pPr lvl="1"/>
-            <a:r>
-              <a:rPr lang="en-US" dirty="0"/>
-              <a:t>Hybrid</a:t>
+              <a:t>Hello MAUI</a:t>
             </a:r>
           </a:p>
         </p:txBody>
@@ -3698,7 +3963,7 @@
     </p:spTree>
     <p:extLst>
       <p:ext uri="{BB962C8B-B14F-4D97-AF65-F5344CB8AC3E}">
-        <p14:creationId xmlns:p14="http://schemas.microsoft.com/office/powerpoint/2010/main" val="3532810629"/>
+        <p14:creationId xmlns:p14="http://schemas.microsoft.com/office/powerpoint/2010/main" val="2441267014"/>
       </p:ext>
     </p:extLst>
   </p:cSld>
@@ -3730,7 +3995,7 @@
           <p:cNvPr id="2" name="Title 1">
             <a:extLst>
               <a:ext uri="{FF2B5EF4-FFF2-40B4-BE49-F238E27FC236}">
-                <a16:creationId xmlns:a16="http://schemas.microsoft.com/office/drawing/2014/main" id="{D1831183-32AD-E452-1F49-C7DC5227580E}"/>
+                <a16:creationId xmlns:a16="http://schemas.microsoft.com/office/drawing/2014/main" id="{ABD88E32-B8D4-3491-8037-95583740C06C}"/>
               </a:ext>
             </a:extLst>
           </p:cNvPr>
@@ -3748,7 +4013,7 @@
           <a:p>
             <a:r>
               <a:rPr lang="en-US" dirty="0"/>
-              <a:t>Demo	</a:t>
+              <a:t>Blazor Hybrid</a:t>
             </a:r>
           </a:p>
         </p:txBody>
@@ -3758,7 +4023,7 @@
           <p:cNvPr id="3" name="Content Placeholder 2">
             <a:extLst>
               <a:ext uri="{FF2B5EF4-FFF2-40B4-BE49-F238E27FC236}">
-                <a16:creationId xmlns:a16="http://schemas.microsoft.com/office/drawing/2014/main" id="{7A2EB9D2-51F1-559B-CC5C-25C0AB3C03BA}"/>
+                <a16:creationId xmlns:a16="http://schemas.microsoft.com/office/drawing/2014/main" id="{854D8D3A-A0D2-EC64-F4C1-98AA667266DA}"/>
               </a:ext>
             </a:extLst>
           </p:cNvPr>
@@ -3776,15 +4041,33 @@
           <a:p>
             <a:r>
               <a:rPr lang="en-US" dirty="0"/>
-              <a:t>Hello Blazor Hybrid</a:t>
-            </a:r>
+              <a:t>Develop UI with HTML and .NET, runs inside MAUI app in a WebView</a:t>
+            </a:r>
+          </a:p>
+          <a:p>
+            <a:r>
+              <a:rPr lang="en-US" dirty="0"/>
+              <a:t>Full access to .NET Core libraries including platform specific</a:t>
+            </a:r>
+          </a:p>
+          <a:p>
+            <a:pPr marL="0" indent="0">
+              <a:buNone/>
+            </a:pPr>
+            <a:endParaRPr lang="en-US" dirty="0"/>
+          </a:p>
+          <a:p>
+            <a:pPr marL="457200" lvl="1" indent="0">
+              <a:buNone/>
+            </a:pPr>
+            <a:endParaRPr lang="en-US" dirty="0"/>
           </a:p>
         </p:txBody>
       </p:sp>
     </p:spTree>
     <p:extLst>
       <p:ext uri="{BB962C8B-B14F-4D97-AF65-F5344CB8AC3E}">
-        <p14:creationId xmlns:p14="http://schemas.microsoft.com/office/powerpoint/2010/main" val="2722269622"/>
+        <p14:creationId xmlns:p14="http://schemas.microsoft.com/office/powerpoint/2010/main" val="3532810629"/>
       </p:ext>
     </p:extLst>
   </p:cSld>
@@ -3816,7 +4099,7 @@
           <p:cNvPr id="2" name="Title 1">
             <a:extLst>
               <a:ext uri="{FF2B5EF4-FFF2-40B4-BE49-F238E27FC236}">
-                <a16:creationId xmlns:a16="http://schemas.microsoft.com/office/drawing/2014/main" id="{F36EC388-FABD-51DF-F219-B46EC4850FED}"/>
+                <a16:creationId xmlns:a16="http://schemas.microsoft.com/office/drawing/2014/main" id="{D1831183-32AD-E452-1F49-C7DC5227580E}"/>
               </a:ext>
             </a:extLst>
           </p:cNvPr>
@@ -3834,7 +4117,7 @@
           <a:p>
             <a:r>
               <a:rPr lang="en-US" dirty="0"/>
-              <a:t>SQLite</a:t>
+              <a:t>Demo	</a:t>
             </a:r>
           </a:p>
         </p:txBody>
@@ -3844,7 +4127,7 @@
           <p:cNvPr id="3" name="Content Placeholder 2">
             <a:extLst>
               <a:ext uri="{FF2B5EF4-FFF2-40B4-BE49-F238E27FC236}">
-                <a16:creationId xmlns:a16="http://schemas.microsoft.com/office/drawing/2014/main" id="{180E44A1-4F78-B00E-2AB6-C1FF61AA3601}"/>
+                <a16:creationId xmlns:a16="http://schemas.microsoft.com/office/drawing/2014/main" id="{7A2EB9D2-51F1-559B-CC5C-25C0AB3C03BA}"/>
               </a:ext>
             </a:extLst>
           </p:cNvPr>
@@ -3862,36 +4145,15 @@
           <a:p>
             <a:r>
               <a:rPr lang="en-US" dirty="0"/>
-              <a:t>File based database lives in application storage</a:t>
-            </a:r>
-          </a:p>
-          <a:p>
-            <a:r>
-              <a:rPr lang="en-US" dirty="0"/>
-              <a:t>All platforms provide native support for SQLite</a:t>
-            </a:r>
-          </a:p>
-          <a:p>
-            <a:r>
-              <a:rPr lang="en-US" dirty="0"/>
-              <a:t>Can use Entity Framework Core to access data</a:t>
-            </a:r>
-          </a:p>
-          <a:p>
-            <a:pPr marL="0" indent="0">
-              <a:buNone/>
-            </a:pPr>
-            <a:endParaRPr lang="en-US" dirty="0"/>
-          </a:p>
-          <a:p>
-            <a:endParaRPr lang="en-US" dirty="0"/>
+              <a:t>Hello Blazor Hybrid</a:t>
+            </a:r>
           </a:p>
         </p:txBody>
       </p:sp>
     </p:spTree>
     <p:extLst>
       <p:ext uri="{BB962C8B-B14F-4D97-AF65-F5344CB8AC3E}">
-        <p14:creationId xmlns:p14="http://schemas.microsoft.com/office/powerpoint/2010/main" val="3589811571"/>
+        <p14:creationId xmlns:p14="http://schemas.microsoft.com/office/powerpoint/2010/main" val="2722269622"/>
       </p:ext>
     </p:extLst>
   </p:cSld>
@@ -3923,7 +4185,7 @@
           <p:cNvPr id="2" name="Title 1">
             <a:extLst>
               <a:ext uri="{FF2B5EF4-FFF2-40B4-BE49-F238E27FC236}">
-                <a16:creationId xmlns:a16="http://schemas.microsoft.com/office/drawing/2014/main" id="{5D7C8282-449B-0031-4BC0-537ED4CBC44E}"/>
+                <a16:creationId xmlns:a16="http://schemas.microsoft.com/office/drawing/2014/main" id="{F36EC388-FABD-51DF-F219-B46EC4850FED}"/>
               </a:ext>
             </a:extLst>
           </p:cNvPr>
@@ -3932,34 +4194,6 @@
           </p:cNvSpPr>
           <p:nvPr>
             <p:ph type="title"/>
-          </p:nvPr>
-        </p:nvSpPr>
-        <p:spPr/>
-        <p:txBody>
-          <a:bodyPr/>
-          <a:lstStyle/>
-          <a:p>
-            <a:r>
-              <a:rPr lang="en-US" dirty="0"/>
-              <a:t>Demo</a:t>
-            </a:r>
-          </a:p>
-        </p:txBody>
-      </p:sp>
-      <p:sp>
-        <p:nvSpPr>
-          <p:cNvPr id="3" name="Content Placeholder 2">
-            <a:extLst>
-              <a:ext uri="{FF2B5EF4-FFF2-40B4-BE49-F238E27FC236}">
-                <a16:creationId xmlns:a16="http://schemas.microsoft.com/office/drawing/2014/main" id="{7FC4DB80-F449-2918-D7E3-39ADE13C98EC}"/>
-              </a:ext>
-            </a:extLst>
-          </p:cNvPr>
-          <p:cNvSpPr>
-            <a:spLocks noGrp="1"/>
-          </p:cNvSpPr>
-          <p:nvPr>
-            <p:ph idx="1"/>
           </p:nvPr>
         </p:nvSpPr>
         <p:spPr/>
@@ -3971,13 +4205,62 @@
               <a:rPr lang="en-US" dirty="0"/>
               <a:t>SQLite</a:t>
             </a:r>
+          </a:p>
+        </p:txBody>
+      </p:sp>
+      <p:sp>
+        <p:nvSpPr>
+          <p:cNvPr id="3" name="Content Placeholder 2">
+            <a:extLst>
+              <a:ext uri="{FF2B5EF4-FFF2-40B4-BE49-F238E27FC236}">
+                <a16:creationId xmlns:a16="http://schemas.microsoft.com/office/drawing/2014/main" id="{180E44A1-4F78-B00E-2AB6-C1FF61AA3601}"/>
+              </a:ext>
+            </a:extLst>
+          </p:cNvPr>
+          <p:cNvSpPr>
+            <a:spLocks noGrp="1"/>
+          </p:cNvSpPr>
+          <p:nvPr>
+            <p:ph idx="1"/>
+          </p:nvPr>
+        </p:nvSpPr>
+        <p:spPr/>
+        <p:txBody>
+          <a:bodyPr/>
+          <a:lstStyle/>
+          <a:p>
+            <a:r>
+              <a:rPr lang="en-US" dirty="0"/>
+              <a:t>File based database lives in application storage</a:t>
+            </a:r>
+          </a:p>
+          <a:p>
+            <a:r>
+              <a:rPr lang="en-US" dirty="0"/>
+              <a:t>All platforms provide native support for SQLite</a:t>
+            </a:r>
+          </a:p>
+          <a:p>
+            <a:r>
+              <a:rPr lang="en-US" dirty="0"/>
+              <a:t>Can use Entity Framework Core to access data</a:t>
+            </a:r>
+          </a:p>
+          <a:p>
+            <a:pPr marL="0" indent="0">
+              <a:buNone/>
+            </a:pPr>
+            <a:endParaRPr lang="en-US" dirty="0"/>
+          </a:p>
+          <a:p>
+            <a:endParaRPr lang="en-US" dirty="0"/>
           </a:p>
         </p:txBody>
       </p:sp>
     </p:spTree>
     <p:extLst>
       <p:ext uri="{BB962C8B-B14F-4D97-AF65-F5344CB8AC3E}">
-        <p14:creationId xmlns:p14="http://schemas.microsoft.com/office/powerpoint/2010/main" val="3350049960"/>
+        <p14:creationId xmlns:p14="http://schemas.microsoft.com/office/powerpoint/2010/main" val="3589811571"/>
       </p:ext>
     </p:extLst>
   </p:cSld>
@@ -4009,7 +4292,7 @@
           <p:cNvPr id="2" name="Title 1">
             <a:extLst>
               <a:ext uri="{FF2B5EF4-FFF2-40B4-BE49-F238E27FC236}">
-                <a16:creationId xmlns:a16="http://schemas.microsoft.com/office/drawing/2014/main" id="{9795FFC3-6315-D145-84A0-7C0798D28433}"/>
+                <a16:creationId xmlns:a16="http://schemas.microsoft.com/office/drawing/2014/main" id="{5D7C8282-449B-0031-4BC0-537ED4CBC44E}"/>
               </a:ext>
             </a:extLst>
           </p:cNvPr>
@@ -4027,7 +4310,7 @@
           <a:p>
             <a:r>
               <a:rPr lang="en-US" dirty="0"/>
-              <a:t>Platform Specific Code</a:t>
+              <a:t>Demo</a:t>
             </a:r>
           </a:p>
         </p:txBody>
@@ -4037,7 +4320,7 @@
           <p:cNvPr id="3" name="Content Placeholder 2">
             <a:extLst>
               <a:ext uri="{FF2B5EF4-FFF2-40B4-BE49-F238E27FC236}">
-                <a16:creationId xmlns:a16="http://schemas.microsoft.com/office/drawing/2014/main" id="{28FBD2B6-F81C-F115-4359-4A6C01003B6A}"/>
+                <a16:creationId xmlns:a16="http://schemas.microsoft.com/office/drawing/2014/main" id="{7FC4DB80-F449-2918-D7E3-39ADE13C98EC}"/>
               </a:ext>
             </a:extLst>
           </p:cNvPr>
@@ -4055,38 +4338,15 @@
           <a:p>
             <a:r>
               <a:rPr lang="en-US" dirty="0"/>
-              <a:t>MAUI Essentials (included)</a:t>
-            </a:r>
-          </a:p>
-          <a:p>
-            <a:r>
-              <a:rPr lang="en-US" dirty="0"/>
-              <a:t>Third Party Libraries (SQLite </a:t>
-            </a:r>
-            <a:r>
-              <a:rPr lang="en-US" dirty="0" err="1"/>
-              <a:t>etc</a:t>
-            </a:r>
-            <a:r>
-              <a:rPr lang="en-US" dirty="0"/>
-              <a:t>)</a:t>
-            </a:r>
-          </a:p>
-          <a:p>
-            <a:r>
-              <a:rPr lang="en-US" dirty="0"/>
-              <a:t>Custom implementation</a:t>
-            </a:r>
-          </a:p>
-          <a:p>
-            <a:endParaRPr lang="en-US" dirty="0"/>
+              <a:t>SQLite</a:t>
+            </a:r>
           </a:p>
         </p:txBody>
       </p:sp>
     </p:spTree>
     <p:extLst>
       <p:ext uri="{BB962C8B-B14F-4D97-AF65-F5344CB8AC3E}">
-        <p14:creationId xmlns:p14="http://schemas.microsoft.com/office/powerpoint/2010/main" val="534098027"/>
+        <p14:creationId xmlns:p14="http://schemas.microsoft.com/office/powerpoint/2010/main" val="3350049960"/>
       </p:ext>
     </p:extLst>
   </p:cSld>
@@ -4118,7 +4378,7 @@
           <p:cNvPr id="2" name="Title 1">
             <a:extLst>
               <a:ext uri="{FF2B5EF4-FFF2-40B4-BE49-F238E27FC236}">
-                <a16:creationId xmlns:a16="http://schemas.microsoft.com/office/drawing/2014/main" id="{801AD2DF-2DF4-0515-7B3F-EA57AD63BB23}"/>
+                <a16:creationId xmlns:a16="http://schemas.microsoft.com/office/drawing/2014/main" id="{9795FFC3-6315-D145-84A0-7C0798D28433}"/>
               </a:ext>
             </a:extLst>
           </p:cNvPr>
@@ -4136,7 +4396,7 @@
           <a:p>
             <a:r>
               <a:rPr lang="en-US" dirty="0"/>
-              <a:t>Demo</a:t>
+              <a:t>Platform Specific Code</a:t>
             </a:r>
           </a:p>
         </p:txBody>
@@ -4146,7 +4406,7 @@
           <p:cNvPr id="3" name="Content Placeholder 2">
             <a:extLst>
               <a:ext uri="{FF2B5EF4-FFF2-40B4-BE49-F238E27FC236}">
-                <a16:creationId xmlns:a16="http://schemas.microsoft.com/office/drawing/2014/main" id="{E33E19ED-3FBA-66B5-C2FC-9B7C49576EFD}"/>
+                <a16:creationId xmlns:a16="http://schemas.microsoft.com/office/drawing/2014/main" id="{28FBD2B6-F81C-F115-4359-4A6C01003B6A}"/>
               </a:ext>
             </a:extLst>
           </p:cNvPr>
@@ -4164,15 +4424,38 @@
           <a:p>
             <a:r>
               <a:rPr lang="en-US" dirty="0"/>
-              <a:t>Platform specific code</a:t>
-            </a:r>
+              <a:t>MAUI Essentials (included)</a:t>
+            </a:r>
+          </a:p>
+          <a:p>
+            <a:r>
+              <a:rPr lang="en-US" dirty="0"/>
+              <a:t>Third Party Libraries (SQLite </a:t>
+            </a:r>
+            <a:r>
+              <a:rPr lang="en-US" dirty="0" err="1"/>
+              <a:t>etc</a:t>
+            </a:r>
+            <a:r>
+              <a:rPr lang="en-US" dirty="0"/>
+              <a:t>)</a:t>
+            </a:r>
+          </a:p>
+          <a:p>
+            <a:r>
+              <a:rPr lang="en-US" dirty="0"/>
+              <a:t>Custom implementation</a:t>
+            </a:r>
+          </a:p>
+          <a:p>
+            <a:endParaRPr lang="en-US" dirty="0"/>
           </a:p>
         </p:txBody>
       </p:sp>
     </p:spTree>
     <p:extLst>
       <p:ext uri="{BB962C8B-B14F-4D97-AF65-F5344CB8AC3E}">
-        <p14:creationId xmlns:p14="http://schemas.microsoft.com/office/powerpoint/2010/main" val="3314023087"/>
+        <p14:creationId xmlns:p14="http://schemas.microsoft.com/office/powerpoint/2010/main" val="534098027"/>
       </p:ext>
     </p:extLst>
   </p:cSld>
@@ -4204,7 +4487,7 @@
           <p:cNvPr id="2" name="Title 1">
             <a:extLst>
               <a:ext uri="{FF2B5EF4-FFF2-40B4-BE49-F238E27FC236}">
-                <a16:creationId xmlns:a16="http://schemas.microsoft.com/office/drawing/2014/main" id="{A6B4C945-8F72-51EB-5029-8DC47776D86B}"/>
+                <a16:creationId xmlns:a16="http://schemas.microsoft.com/office/drawing/2014/main" id="{801AD2DF-2DF4-0515-7B3F-EA57AD63BB23}"/>
               </a:ext>
             </a:extLst>
           </p:cNvPr>
@@ -4222,7 +4505,7 @@
           <a:p>
             <a:r>
               <a:rPr lang="en-US" dirty="0"/>
-              <a:t>Packaging</a:t>
+              <a:t>Demo</a:t>
             </a:r>
           </a:p>
         </p:txBody>
@@ -4232,7 +4515,7 @@
           <p:cNvPr id="3" name="Content Placeholder 2">
             <a:extLst>
               <a:ext uri="{FF2B5EF4-FFF2-40B4-BE49-F238E27FC236}">
-                <a16:creationId xmlns:a16="http://schemas.microsoft.com/office/drawing/2014/main" id="{672C8611-1331-A778-680C-1199DD3A7177}"/>
+                <a16:creationId xmlns:a16="http://schemas.microsoft.com/office/drawing/2014/main" id="{E33E19ED-3FBA-66B5-C2FC-9B7C49576EFD}"/>
               </a:ext>
             </a:extLst>
           </p:cNvPr>
@@ -4245,181 +4528,12 @@
         </p:nvSpPr>
         <p:spPr/>
         <p:txBody>
-          <a:bodyPr>
-            <a:normAutofit lnSpcReduction="10000"/>
-          </a:bodyPr>
+          <a:bodyPr/>
           <a:lstStyle/>
           <a:p>
             <a:r>
               <a:rPr lang="en-US" dirty="0"/>
-              <a:t>.</a:t>
-            </a:r>
-            <a:r>
-              <a:rPr lang="en-US" dirty="0" err="1"/>
-              <a:t>ipa</a:t>
-            </a:r>
-            <a:r>
-              <a:rPr lang="en-US" dirty="0"/>
-              <a:t> on iOS</a:t>
-            </a:r>
-          </a:p>
-          <a:p>
-            <a:r>
-              <a:rPr lang="en-US" dirty="0"/>
-              <a:t>.</a:t>
-            </a:r>
-            <a:r>
-              <a:rPr lang="en-US" dirty="0" err="1"/>
-              <a:t>apk</a:t>
-            </a:r>
-            <a:r>
-              <a:rPr lang="en-US" dirty="0"/>
-              <a:t> on Android</a:t>
-            </a:r>
-          </a:p>
-          <a:p>
-            <a:r>
-              <a:rPr lang="en-US" dirty="0"/>
-              <a:t>MSIX on Windows</a:t>
-            </a:r>
-          </a:p>
-          <a:p>
-            <a:pPr lvl="1"/>
-            <a:r>
-              <a:rPr lang="en-US" dirty="0"/>
-              <a:t>MSIX is a unification of MSI, APPX, </a:t>
-            </a:r>
-            <a:r>
-              <a:rPr lang="en-US" dirty="0" err="1"/>
-              <a:t>ClickOnce</a:t>
-            </a:r>
-            <a:r>
-              <a:rPr lang="en-US"/>
-              <a:t>, App-V</a:t>
-            </a:r>
-            <a:endParaRPr lang="en-US" dirty="0"/>
-          </a:p>
-          <a:p>
-            <a:pPr lvl="1"/>
-            <a:r>
-              <a:rPr lang="en-US" dirty="0"/>
-              <a:t>MSIX file can be deployed like any other MSIX file, including SCCM, Intune, web download</a:t>
-            </a:r>
-          </a:p>
-          <a:p>
-            <a:pPr lvl="1"/>
-            <a:r>
-              <a:rPr lang="en-US" dirty="0"/>
-              <a:t>Web download outside the enterprise requires public certificate signing</a:t>
-            </a:r>
-          </a:p>
-          <a:p>
-            <a:pPr lvl="1"/>
-            <a:endParaRPr lang="en-US" dirty="0"/>
-          </a:p>
-          <a:p>
-            <a:pPr marL="457200" lvl="1" indent="0">
-              <a:buNone/>
-            </a:pPr>
-            <a:r>
-              <a:rPr lang="en-US" b="0" i="0" dirty="0">
-                <a:solidFill>
-                  <a:srgbClr val="0101FD"/>
-                </a:solidFill>
-                <a:effectLst/>
-                <a:latin typeface="SFMono-Regular"/>
-              </a:rPr>
-              <a:t>&lt;a </a:t>
-            </a:r>
-            <a:r>
-              <a:rPr lang="en-US" b="0" i="0" dirty="0">
-                <a:solidFill>
-                  <a:srgbClr val="0451A5"/>
-                </a:solidFill>
-                <a:effectLst/>
-                <a:latin typeface="SFMono-Regular"/>
-              </a:rPr>
-              <a:t>href</a:t>
-            </a:r>
-            <a:r>
-              <a:rPr lang="en-US" b="0" i="0" dirty="0">
-                <a:solidFill>
-                  <a:srgbClr val="0101FD"/>
-                </a:solidFill>
-                <a:effectLst/>
-                <a:latin typeface="SFMono-Regular"/>
-              </a:rPr>
-              <a:t>=</a:t>
-            </a:r>
-            <a:r>
-              <a:rPr lang="en-US" b="0" i="0" dirty="0">
-                <a:solidFill>
-                  <a:srgbClr val="A31515"/>
-                </a:solidFill>
-                <a:effectLst/>
-                <a:latin typeface="SFMono-Regular"/>
-              </a:rPr>
-              <a:t>"</a:t>
-            </a:r>
-            <a:r>
-              <a:rPr lang="en-US" b="0" i="0" dirty="0" err="1">
-                <a:solidFill>
-                  <a:srgbClr val="A31515"/>
-                </a:solidFill>
-                <a:effectLst/>
-                <a:latin typeface="SFMono-Regular"/>
-              </a:rPr>
-              <a:t>ms-appinstaller</a:t>
-            </a:r>
-            <a:r>
-              <a:rPr lang="en-US" b="0" i="0" dirty="0">
-                <a:solidFill>
-                  <a:srgbClr val="A31515"/>
-                </a:solidFill>
-                <a:effectLst/>
-                <a:latin typeface="SFMono-Regular"/>
-              </a:rPr>
-              <a:t>:?source=http://mywebservice.azureedge.net/HubApp.msix"</a:t>
-            </a:r>
-            <a:r>
-              <a:rPr lang="en-US" b="0" i="0" dirty="0">
-                <a:solidFill>
-                  <a:srgbClr val="0101FD"/>
-                </a:solidFill>
-                <a:effectLst/>
-                <a:latin typeface="SFMono-Regular"/>
-              </a:rPr>
-              <a:t>&gt;</a:t>
-            </a:r>
-            <a:r>
-              <a:rPr lang="en-US" b="0" i="0" dirty="0">
-                <a:solidFill>
-                  <a:srgbClr val="161616"/>
-                </a:solidFill>
-                <a:effectLst/>
-                <a:latin typeface="SFMono-Regular"/>
-              </a:rPr>
-              <a:t> Install app package </a:t>
-            </a:r>
-            <a:r>
-              <a:rPr lang="en-US" b="0" i="0" dirty="0">
-                <a:solidFill>
-                  <a:srgbClr val="0101FD"/>
-                </a:solidFill>
-                <a:effectLst/>
-                <a:latin typeface="SFMono-Regular"/>
-              </a:rPr>
-              <a:t>&lt;/a&gt;</a:t>
-            </a:r>
-            <a:r>
-              <a:rPr lang="en-US" b="0" i="0" dirty="0">
-                <a:solidFill>
-                  <a:srgbClr val="161616"/>
-                </a:solidFill>
-                <a:effectLst/>
-                <a:latin typeface="SFMono-Regular"/>
-              </a:rPr>
-              <a:t> </a:t>
+              <a:t>Platform specific code</a:t>
             </a:r>
           </a:p>
         </p:txBody>
@@ -4427,7 +4541,7 @@
     </p:spTree>
     <p:extLst>
       <p:ext uri="{BB962C8B-B14F-4D97-AF65-F5344CB8AC3E}">
-        <p14:creationId xmlns:p14="http://schemas.microsoft.com/office/powerpoint/2010/main" val="3083416481"/>
+        <p14:creationId xmlns:p14="http://schemas.microsoft.com/office/powerpoint/2010/main" val="3314023087"/>
       </p:ext>
     </p:extLst>
   </p:cSld>
